--- a/zhongqi_2026/张毅2023424062-中期.pptx
+++ b/zhongqi_2026/张毅2023424062-中期.pptx
@@ -187,192 +187,6 @@
 
 <file path=ppt/changesInfos/changesInfo1.xml><?xml version="1.0" encoding="utf-8"?>
 <pc:chgInfo xmlns:a="http://schemas.openxmlformats.org/drawingml/2006/main" xmlns:r="http://schemas.openxmlformats.org/officeDocument/2006/relationships" xmlns:ac="http://schemas.microsoft.com/office/drawing/2013/main/command" xmlns:pc="http://schemas.microsoft.com/office/powerpoint/2013/main/command">
-  <pc:docChgLst>
-    <pc:chgData name="张毅" userId="539964a5-df36-45b0-8f08-3354a4827624" providerId="ADAL" clId="{902B4148-96EF-4A5E-9C3D-A74608945E98}"/>
-    <pc:docChg chg="undo custSel addSld delSld modSld sldOrd">
-      <pc:chgData name="张毅" userId="539964a5-df36-45b0-8f08-3354a4827624" providerId="ADAL" clId="{902B4148-96EF-4A5E-9C3D-A74608945E98}" dt="2024-10-06T10:21:17.492" v="106" actId="2711"/>
-      <pc:docMkLst>
-        <pc:docMk/>
-      </pc:docMkLst>
-      <pc:sldChg chg="addSp delSp modSp add mod setBg modNotes">
-        <pc:chgData name="张毅" userId="539964a5-df36-45b0-8f08-3354a4827624" providerId="ADAL" clId="{902B4148-96EF-4A5E-9C3D-A74608945E98}" dt="2024-10-06T10:18:12.735" v="72" actId="478"/>
-        <pc:sldMkLst>
-          <pc:docMk/>
-          <pc:sldMk cId="0" sldId="257"/>
-        </pc:sldMkLst>
-      </pc:sldChg>
-      <pc:sldChg chg="modSp mod">
-        <pc:chgData name="张毅" userId="539964a5-df36-45b0-8f08-3354a4827624" providerId="ADAL" clId="{902B4148-96EF-4A5E-9C3D-A74608945E98}" dt="2024-10-06T10:09:25.573" v="14" actId="1076"/>
-        <pc:sldMkLst>
-          <pc:docMk/>
-          <pc:sldMk cId="0" sldId="260"/>
-        </pc:sldMkLst>
-      </pc:sldChg>
-      <pc:sldChg chg="addSp delSp modSp mod">
-        <pc:chgData name="张毅" userId="539964a5-df36-45b0-8f08-3354a4827624" providerId="ADAL" clId="{902B4148-96EF-4A5E-9C3D-A74608945E98}" dt="2024-10-06T10:10:04.642" v="21" actId="1076"/>
-        <pc:sldMkLst>
-          <pc:docMk/>
-          <pc:sldMk cId="0" sldId="288"/>
-        </pc:sldMkLst>
-      </pc:sldChg>
-      <pc:sldChg chg="addSp modSp">
-        <pc:chgData name="张毅" userId="539964a5-df36-45b0-8f08-3354a4827624" providerId="ADAL" clId="{902B4148-96EF-4A5E-9C3D-A74608945E98}" dt="2024-10-06T10:15:35.491" v="38"/>
-        <pc:sldMkLst>
-          <pc:docMk/>
-          <pc:sldMk cId="0" sldId="294"/>
-        </pc:sldMkLst>
-      </pc:sldChg>
-      <pc:sldChg chg="addSp modSp del">
-        <pc:chgData name="张毅" userId="539964a5-df36-45b0-8f08-3354a4827624" providerId="ADAL" clId="{902B4148-96EF-4A5E-9C3D-A74608945E98}" dt="2024-10-06T10:16:00.974" v="42" actId="47"/>
-        <pc:sldMkLst>
-          <pc:docMk/>
-          <pc:sldMk cId="0" sldId="358"/>
-        </pc:sldMkLst>
-      </pc:sldChg>
-      <pc:sldChg chg="ord">
-        <pc:chgData name="张毅" userId="539964a5-df36-45b0-8f08-3354a4827624" providerId="ADAL" clId="{902B4148-96EF-4A5E-9C3D-A74608945E98}" dt="2024-10-06T10:19:09.663" v="81"/>
-        <pc:sldMkLst>
-          <pc:docMk/>
-          <pc:sldMk cId="0" sldId="386"/>
-        </pc:sldMkLst>
-      </pc:sldChg>
-      <pc:sldChg chg="delSp new del mod modClrScheme chgLayout">
-        <pc:chgData name="张毅" userId="539964a5-df36-45b0-8f08-3354a4827624" providerId="ADAL" clId="{902B4148-96EF-4A5E-9C3D-A74608945E98}" dt="2024-10-06T10:14:58.713" v="27" actId="47"/>
-        <pc:sldMkLst>
-          <pc:docMk/>
-          <pc:sldMk cId="2986209520" sldId="415"/>
-        </pc:sldMkLst>
-      </pc:sldChg>
-      <pc:sldChg chg="addSp delSp modSp add del mod setBg">
-        <pc:chgData name="张毅" userId="539964a5-df36-45b0-8f08-3354a4827624" providerId="ADAL" clId="{902B4148-96EF-4A5E-9C3D-A74608945E98}" dt="2024-10-06T10:15:34.385" v="37" actId="47"/>
-        <pc:sldMkLst>
-          <pc:docMk/>
-          <pc:sldMk cId="4272449342" sldId="415"/>
-        </pc:sldMkLst>
-      </pc:sldChg>
-      <pc:sldChg chg="add">
-        <pc:chgData name="张毅" userId="539964a5-df36-45b0-8f08-3354a4827624" providerId="ADAL" clId="{902B4148-96EF-4A5E-9C3D-A74608945E98}" dt="2024-10-06T10:18:50.915" v="73"/>
-        <pc:sldMkLst>
-          <pc:docMk/>
-          <pc:sldMk cId="4274048392" sldId="415"/>
-        </pc:sldMkLst>
-      </pc:sldChg>
-      <pc:sldChg chg="add ord">
-        <pc:chgData name="张毅" userId="539964a5-df36-45b0-8f08-3354a4827624" providerId="ADAL" clId="{902B4148-96EF-4A5E-9C3D-A74608945E98}" dt="2024-10-06T10:18:59.036" v="76"/>
-        <pc:sldMkLst>
-          <pc:docMk/>
-          <pc:sldMk cId="4206428679" sldId="416"/>
-        </pc:sldMkLst>
-      </pc:sldChg>
-      <pc:sldChg chg="delSp modSp new del mod ord modClrScheme chgLayout">
-        <pc:chgData name="张毅" userId="539964a5-df36-45b0-8f08-3354a4827624" providerId="ADAL" clId="{902B4148-96EF-4A5E-9C3D-A74608945E98}" dt="2024-10-06T10:20:44.758" v="100" actId="47"/>
-        <pc:sldMkLst>
-          <pc:docMk/>
-          <pc:sldMk cId="1922159430" sldId="417"/>
-        </pc:sldMkLst>
-      </pc:sldChg>
-      <pc:sldChg chg="new del">
-        <pc:chgData name="张毅" userId="539964a5-df36-45b0-8f08-3354a4827624" providerId="ADAL" clId="{902B4148-96EF-4A5E-9C3D-A74608945E98}" dt="2024-10-06T10:19:13.916" v="83" actId="680"/>
-        <pc:sldMkLst>
-          <pc:docMk/>
-          <pc:sldMk cId="3651619159" sldId="418"/>
-        </pc:sldMkLst>
-      </pc:sldChg>
-      <pc:sldChg chg="modSp add mod ord">
-        <pc:chgData name="张毅" userId="539964a5-df36-45b0-8f08-3354a4827624" providerId="ADAL" clId="{902B4148-96EF-4A5E-9C3D-A74608945E98}" dt="2024-10-06T10:19:46.694" v="93" actId="1076"/>
-        <pc:sldMkLst>
-          <pc:docMk/>
-          <pc:sldMk cId="3992255507" sldId="418"/>
-        </pc:sldMkLst>
-      </pc:sldChg>
-      <pc:sldChg chg="addSp delSp modSp add mod ord">
-        <pc:chgData name="张毅" userId="539964a5-df36-45b0-8f08-3354a4827624" providerId="ADAL" clId="{902B4148-96EF-4A5E-9C3D-A74608945E98}" dt="2024-10-06T10:21:17.492" v="106" actId="2711"/>
-        <pc:sldMkLst>
-          <pc:docMk/>
-          <pc:sldMk cId="1172850378" sldId="419"/>
-        </pc:sldMkLst>
-      </pc:sldChg>
-    </pc:docChg>
-  </pc:docChgLst>
-  <pc:docChgLst>
-    <pc:chgData name="毅 张" userId="be8211fc-84c4-45de-9048-aad7380c219f" providerId="ADAL" clId="{964A2025-C917-4A0A-B633-8664B1B42571}"/>
-    <pc:docChg chg="undo redo custSel delSld modSld">
-      <pc:chgData name="毅 张" userId="be8211fc-84c4-45de-9048-aad7380c219f" providerId="ADAL" clId="{964A2025-C917-4A0A-B633-8664B1B42571}" dt="2024-05-17T02:57:10.070" v="428" actId="1076"/>
-      <pc:docMkLst>
-        <pc:docMk/>
-      </pc:docMkLst>
-      <pc:sldChg chg="modSp mod">
-        <pc:chgData name="毅 张" userId="be8211fc-84c4-45de-9048-aad7380c219f" providerId="ADAL" clId="{964A2025-C917-4A0A-B633-8664B1B42571}" dt="2024-05-17T02:19:46.200" v="64" actId="207"/>
-        <pc:sldMkLst>
-          <pc:docMk/>
-          <pc:sldMk cId="0" sldId="379"/>
-        </pc:sldMkLst>
-      </pc:sldChg>
-      <pc:sldChg chg="modSp mod">
-        <pc:chgData name="毅 张" userId="be8211fc-84c4-45de-9048-aad7380c219f" providerId="ADAL" clId="{964A2025-C917-4A0A-B633-8664B1B42571}" dt="2024-05-17T02:52:47.125" v="326" actId="14100"/>
-        <pc:sldMkLst>
-          <pc:docMk/>
-          <pc:sldMk cId="0" sldId="380"/>
-        </pc:sldMkLst>
-      </pc:sldChg>
-      <pc:sldChg chg="addSp delSp modSp mod">
-        <pc:chgData name="毅 张" userId="be8211fc-84c4-45de-9048-aad7380c219f" providerId="ADAL" clId="{964A2025-C917-4A0A-B633-8664B1B42571}" dt="2024-05-17T02:53:46.870" v="347" actId="1076"/>
-        <pc:sldMkLst>
-          <pc:docMk/>
-          <pc:sldMk cId="0" sldId="382"/>
-        </pc:sldMkLst>
-      </pc:sldChg>
-      <pc:sldChg chg="addSp modSp mod">
-        <pc:chgData name="毅 张" userId="be8211fc-84c4-45de-9048-aad7380c219f" providerId="ADAL" clId="{964A2025-C917-4A0A-B633-8664B1B42571}" dt="2024-05-17T02:57:10.070" v="428" actId="1076"/>
-        <pc:sldMkLst>
-          <pc:docMk/>
-          <pc:sldMk cId="0" sldId="386"/>
-        </pc:sldMkLst>
-      </pc:sldChg>
-      <pc:sldChg chg="del">
-        <pc:chgData name="毅 张" userId="be8211fc-84c4-45de-9048-aad7380c219f" providerId="ADAL" clId="{964A2025-C917-4A0A-B633-8664B1B42571}" dt="2024-05-17T02:54:35.588" v="363" actId="47"/>
-        <pc:sldMkLst>
-          <pc:docMk/>
-          <pc:sldMk cId="0" sldId="387"/>
-        </pc:sldMkLst>
-      </pc:sldChg>
-      <pc:sldChg chg="modSp mod">
-        <pc:chgData name="毅 张" userId="be8211fc-84c4-45de-9048-aad7380c219f" providerId="ADAL" clId="{964A2025-C917-4A0A-B633-8664B1B42571}" dt="2024-05-17T02:21:55.821" v="73" actId="1076"/>
-        <pc:sldMkLst>
-          <pc:docMk/>
-          <pc:sldMk cId="0" sldId="392"/>
-        </pc:sldMkLst>
-      </pc:sldChg>
-      <pc:sldChg chg="modSp mod">
-        <pc:chgData name="毅 张" userId="be8211fc-84c4-45de-9048-aad7380c219f" providerId="ADAL" clId="{964A2025-C917-4A0A-B633-8664B1B42571}" dt="2024-05-17T02:30:12.626" v="140" actId="108"/>
-        <pc:sldMkLst>
-          <pc:docMk/>
-          <pc:sldMk cId="0" sldId="408"/>
-        </pc:sldMkLst>
-      </pc:sldChg>
-      <pc:sldChg chg="modSp mod">
-        <pc:chgData name="毅 张" userId="be8211fc-84c4-45de-9048-aad7380c219f" providerId="ADAL" clId="{964A2025-C917-4A0A-B633-8664B1B42571}" dt="2024-05-17T02:33:30.861" v="181" actId="108"/>
-        <pc:sldMkLst>
-          <pc:docMk/>
-          <pc:sldMk cId="0" sldId="412"/>
-        </pc:sldMkLst>
-      </pc:sldChg>
-      <pc:sldChg chg="modSp mod">
-        <pc:chgData name="毅 张" userId="be8211fc-84c4-45de-9048-aad7380c219f" providerId="ADAL" clId="{964A2025-C917-4A0A-B633-8664B1B42571}" dt="2024-05-17T02:43:39.992" v="227" actId="108"/>
-        <pc:sldMkLst>
-          <pc:docMk/>
-          <pc:sldMk cId="0" sldId="413"/>
-        </pc:sldMkLst>
-      </pc:sldChg>
-      <pc:sldChg chg="modSp mod">
-        <pc:chgData name="毅 张" userId="be8211fc-84c4-45de-9048-aad7380c219f" providerId="ADAL" clId="{964A2025-C917-4A0A-B633-8664B1B42571}" dt="2024-05-17T02:47:05.507" v="283" actId="108"/>
-        <pc:sldMkLst>
-          <pc:docMk/>
-          <pc:sldMk cId="0" sldId="414"/>
-        </pc:sldMkLst>
-      </pc:sldChg>
-    </pc:docChg>
-  </pc:docChgLst>
   <pc:docChgLst>
     <pc:chgData name="张毅" userId="be8211fc-84c4-45de-9048-aad7380c219f" providerId="ADAL" clId="{F8AF9390-4132-45DA-A7F1-3ABFE3880586}"/>
     <pc:docChg chg="undo redo custSel addSld delSld modSld sldOrd modMainMaster">
@@ -755,12 +569,12 @@
   <pc:docChgLst>
     <pc:chgData name="张毅" userId="69cae116-6285-4673-9751-3d9922030ec4" providerId="ADAL" clId="{11B4EC6A-39CE-476B-8C2F-76630000AA77}"/>
     <pc:docChg chg="modSld">
-      <pc:chgData name="张毅" userId="69cae116-6285-4673-9751-3d9922030ec4" providerId="ADAL" clId="{11B4EC6A-39CE-476B-8C2F-76630000AA77}" dt="2025-05-20T11:58:19.014" v="2"/>
+      <pc:chgData name="张毅" userId="69cae116-6285-4673-9751-3d9922030ec4" providerId="ADAL" clId="{11B4EC6A-39CE-476B-8C2F-76630000AA77}" dt="2025-05-31T08:54:28.597" v="4" actId="1076"/>
       <pc:docMkLst>
         <pc:docMk/>
       </pc:docMkLst>
       <pc:sldChg chg="modSp mod">
-        <pc:chgData name="张毅" userId="69cae116-6285-4673-9751-3d9922030ec4" providerId="ADAL" clId="{11B4EC6A-39CE-476B-8C2F-76630000AA77}" dt="2025-05-20T11:58:19.014" v="2"/>
+        <pc:chgData name="张毅" userId="69cae116-6285-4673-9751-3d9922030ec4" providerId="ADAL" clId="{11B4EC6A-39CE-476B-8C2F-76630000AA77}" dt="2025-05-31T08:54:28.597" v="4" actId="1076"/>
         <pc:sldMkLst>
           <pc:docMk/>
           <pc:sldMk cId="0" sldId="260"/>
@@ -773,6 +587,200 @@
             <ac:spMk id="4" creationId="{00000000-0000-0000-0000-000000000000}"/>
           </ac:spMkLst>
         </pc:spChg>
+        <pc:spChg chg="mod">
+          <ac:chgData name="张毅" userId="69cae116-6285-4673-9751-3d9922030ec4" providerId="ADAL" clId="{11B4EC6A-39CE-476B-8C2F-76630000AA77}" dt="2025-05-31T08:54:28.597" v="4" actId="1076"/>
+          <ac:spMkLst>
+            <pc:docMk/>
+            <pc:sldMk cId="0" sldId="260"/>
+            <ac:spMk id="18" creationId="{00000000-0000-0000-0000-000000000000}"/>
+          </ac:spMkLst>
+        </pc:spChg>
+      </pc:sldChg>
+    </pc:docChg>
+  </pc:docChgLst>
+  <pc:docChgLst>
+    <pc:chgData name="毅 张" userId="be8211fc-84c4-45de-9048-aad7380c219f" providerId="ADAL" clId="{964A2025-C917-4A0A-B633-8664B1B42571}"/>
+    <pc:docChg chg="undo redo custSel delSld modSld">
+      <pc:chgData name="毅 张" userId="be8211fc-84c4-45de-9048-aad7380c219f" providerId="ADAL" clId="{964A2025-C917-4A0A-B633-8664B1B42571}" dt="2024-05-17T02:57:10.070" v="428" actId="1076"/>
+      <pc:docMkLst>
+        <pc:docMk/>
+      </pc:docMkLst>
+      <pc:sldChg chg="modSp mod">
+        <pc:chgData name="毅 张" userId="be8211fc-84c4-45de-9048-aad7380c219f" providerId="ADAL" clId="{964A2025-C917-4A0A-B633-8664B1B42571}" dt="2024-05-17T02:19:46.200" v="64" actId="207"/>
+        <pc:sldMkLst>
+          <pc:docMk/>
+          <pc:sldMk cId="0" sldId="379"/>
+        </pc:sldMkLst>
+      </pc:sldChg>
+      <pc:sldChg chg="modSp mod">
+        <pc:chgData name="毅 张" userId="be8211fc-84c4-45de-9048-aad7380c219f" providerId="ADAL" clId="{964A2025-C917-4A0A-B633-8664B1B42571}" dt="2024-05-17T02:52:47.125" v="326" actId="14100"/>
+        <pc:sldMkLst>
+          <pc:docMk/>
+          <pc:sldMk cId="0" sldId="380"/>
+        </pc:sldMkLst>
+      </pc:sldChg>
+      <pc:sldChg chg="addSp delSp modSp mod">
+        <pc:chgData name="毅 张" userId="be8211fc-84c4-45de-9048-aad7380c219f" providerId="ADAL" clId="{964A2025-C917-4A0A-B633-8664B1B42571}" dt="2024-05-17T02:53:46.870" v="347" actId="1076"/>
+        <pc:sldMkLst>
+          <pc:docMk/>
+          <pc:sldMk cId="0" sldId="382"/>
+        </pc:sldMkLst>
+      </pc:sldChg>
+      <pc:sldChg chg="addSp modSp mod">
+        <pc:chgData name="毅 张" userId="be8211fc-84c4-45de-9048-aad7380c219f" providerId="ADAL" clId="{964A2025-C917-4A0A-B633-8664B1B42571}" dt="2024-05-17T02:57:10.070" v="428" actId="1076"/>
+        <pc:sldMkLst>
+          <pc:docMk/>
+          <pc:sldMk cId="0" sldId="386"/>
+        </pc:sldMkLst>
+      </pc:sldChg>
+      <pc:sldChg chg="del">
+        <pc:chgData name="毅 张" userId="be8211fc-84c4-45de-9048-aad7380c219f" providerId="ADAL" clId="{964A2025-C917-4A0A-B633-8664B1B42571}" dt="2024-05-17T02:54:35.588" v="363" actId="47"/>
+        <pc:sldMkLst>
+          <pc:docMk/>
+          <pc:sldMk cId="0" sldId="387"/>
+        </pc:sldMkLst>
+      </pc:sldChg>
+      <pc:sldChg chg="modSp mod">
+        <pc:chgData name="毅 张" userId="be8211fc-84c4-45de-9048-aad7380c219f" providerId="ADAL" clId="{964A2025-C917-4A0A-B633-8664B1B42571}" dt="2024-05-17T02:21:55.821" v="73" actId="1076"/>
+        <pc:sldMkLst>
+          <pc:docMk/>
+          <pc:sldMk cId="0" sldId="392"/>
+        </pc:sldMkLst>
+      </pc:sldChg>
+      <pc:sldChg chg="modSp mod">
+        <pc:chgData name="毅 张" userId="be8211fc-84c4-45de-9048-aad7380c219f" providerId="ADAL" clId="{964A2025-C917-4A0A-B633-8664B1B42571}" dt="2024-05-17T02:30:12.626" v="140" actId="108"/>
+        <pc:sldMkLst>
+          <pc:docMk/>
+          <pc:sldMk cId="0" sldId="408"/>
+        </pc:sldMkLst>
+      </pc:sldChg>
+      <pc:sldChg chg="modSp mod">
+        <pc:chgData name="毅 张" userId="be8211fc-84c4-45de-9048-aad7380c219f" providerId="ADAL" clId="{964A2025-C917-4A0A-B633-8664B1B42571}" dt="2024-05-17T02:33:30.861" v="181" actId="108"/>
+        <pc:sldMkLst>
+          <pc:docMk/>
+          <pc:sldMk cId="0" sldId="412"/>
+        </pc:sldMkLst>
+      </pc:sldChg>
+      <pc:sldChg chg="modSp mod">
+        <pc:chgData name="毅 张" userId="be8211fc-84c4-45de-9048-aad7380c219f" providerId="ADAL" clId="{964A2025-C917-4A0A-B633-8664B1B42571}" dt="2024-05-17T02:43:39.992" v="227" actId="108"/>
+        <pc:sldMkLst>
+          <pc:docMk/>
+          <pc:sldMk cId="0" sldId="413"/>
+        </pc:sldMkLst>
+      </pc:sldChg>
+      <pc:sldChg chg="modSp mod">
+        <pc:chgData name="毅 张" userId="be8211fc-84c4-45de-9048-aad7380c219f" providerId="ADAL" clId="{964A2025-C917-4A0A-B633-8664B1B42571}" dt="2024-05-17T02:47:05.507" v="283" actId="108"/>
+        <pc:sldMkLst>
+          <pc:docMk/>
+          <pc:sldMk cId="0" sldId="414"/>
+        </pc:sldMkLst>
+      </pc:sldChg>
+    </pc:docChg>
+  </pc:docChgLst>
+  <pc:docChgLst>
+    <pc:chgData name="张毅" userId="539964a5-df36-45b0-8f08-3354a4827624" providerId="ADAL" clId="{902B4148-96EF-4A5E-9C3D-A74608945E98}"/>
+    <pc:docChg chg="undo custSel addSld delSld modSld sldOrd">
+      <pc:chgData name="张毅" userId="539964a5-df36-45b0-8f08-3354a4827624" providerId="ADAL" clId="{902B4148-96EF-4A5E-9C3D-A74608945E98}" dt="2024-10-06T10:21:17.492" v="106" actId="2711"/>
+      <pc:docMkLst>
+        <pc:docMk/>
+      </pc:docMkLst>
+      <pc:sldChg chg="addSp delSp modSp add mod setBg modNotes">
+        <pc:chgData name="张毅" userId="539964a5-df36-45b0-8f08-3354a4827624" providerId="ADAL" clId="{902B4148-96EF-4A5E-9C3D-A74608945E98}" dt="2024-10-06T10:18:12.735" v="72" actId="478"/>
+        <pc:sldMkLst>
+          <pc:docMk/>
+          <pc:sldMk cId="0" sldId="257"/>
+        </pc:sldMkLst>
+      </pc:sldChg>
+      <pc:sldChg chg="modSp mod">
+        <pc:chgData name="张毅" userId="539964a5-df36-45b0-8f08-3354a4827624" providerId="ADAL" clId="{902B4148-96EF-4A5E-9C3D-A74608945E98}" dt="2024-10-06T10:09:25.573" v="14" actId="1076"/>
+        <pc:sldMkLst>
+          <pc:docMk/>
+          <pc:sldMk cId="0" sldId="260"/>
+        </pc:sldMkLst>
+      </pc:sldChg>
+      <pc:sldChg chg="addSp delSp modSp mod">
+        <pc:chgData name="张毅" userId="539964a5-df36-45b0-8f08-3354a4827624" providerId="ADAL" clId="{902B4148-96EF-4A5E-9C3D-A74608945E98}" dt="2024-10-06T10:10:04.642" v="21" actId="1076"/>
+        <pc:sldMkLst>
+          <pc:docMk/>
+          <pc:sldMk cId="0" sldId="288"/>
+        </pc:sldMkLst>
+      </pc:sldChg>
+      <pc:sldChg chg="addSp modSp">
+        <pc:chgData name="张毅" userId="539964a5-df36-45b0-8f08-3354a4827624" providerId="ADAL" clId="{902B4148-96EF-4A5E-9C3D-A74608945E98}" dt="2024-10-06T10:15:35.491" v="38"/>
+        <pc:sldMkLst>
+          <pc:docMk/>
+          <pc:sldMk cId="0" sldId="294"/>
+        </pc:sldMkLst>
+      </pc:sldChg>
+      <pc:sldChg chg="addSp modSp del">
+        <pc:chgData name="张毅" userId="539964a5-df36-45b0-8f08-3354a4827624" providerId="ADAL" clId="{902B4148-96EF-4A5E-9C3D-A74608945E98}" dt="2024-10-06T10:16:00.974" v="42" actId="47"/>
+        <pc:sldMkLst>
+          <pc:docMk/>
+          <pc:sldMk cId="0" sldId="358"/>
+        </pc:sldMkLst>
+      </pc:sldChg>
+      <pc:sldChg chg="ord">
+        <pc:chgData name="张毅" userId="539964a5-df36-45b0-8f08-3354a4827624" providerId="ADAL" clId="{902B4148-96EF-4A5E-9C3D-A74608945E98}" dt="2024-10-06T10:19:09.663" v="81"/>
+        <pc:sldMkLst>
+          <pc:docMk/>
+          <pc:sldMk cId="0" sldId="386"/>
+        </pc:sldMkLst>
+      </pc:sldChg>
+      <pc:sldChg chg="delSp new del mod modClrScheme chgLayout">
+        <pc:chgData name="张毅" userId="539964a5-df36-45b0-8f08-3354a4827624" providerId="ADAL" clId="{902B4148-96EF-4A5E-9C3D-A74608945E98}" dt="2024-10-06T10:14:58.713" v="27" actId="47"/>
+        <pc:sldMkLst>
+          <pc:docMk/>
+          <pc:sldMk cId="2986209520" sldId="415"/>
+        </pc:sldMkLst>
+      </pc:sldChg>
+      <pc:sldChg chg="addSp delSp modSp add del mod setBg">
+        <pc:chgData name="张毅" userId="539964a5-df36-45b0-8f08-3354a4827624" providerId="ADAL" clId="{902B4148-96EF-4A5E-9C3D-A74608945E98}" dt="2024-10-06T10:15:34.385" v="37" actId="47"/>
+        <pc:sldMkLst>
+          <pc:docMk/>
+          <pc:sldMk cId="4272449342" sldId="415"/>
+        </pc:sldMkLst>
+      </pc:sldChg>
+      <pc:sldChg chg="add">
+        <pc:chgData name="张毅" userId="539964a5-df36-45b0-8f08-3354a4827624" providerId="ADAL" clId="{902B4148-96EF-4A5E-9C3D-A74608945E98}" dt="2024-10-06T10:18:50.915" v="73"/>
+        <pc:sldMkLst>
+          <pc:docMk/>
+          <pc:sldMk cId="4274048392" sldId="415"/>
+        </pc:sldMkLst>
+      </pc:sldChg>
+      <pc:sldChg chg="add ord">
+        <pc:chgData name="张毅" userId="539964a5-df36-45b0-8f08-3354a4827624" providerId="ADAL" clId="{902B4148-96EF-4A5E-9C3D-A74608945E98}" dt="2024-10-06T10:18:59.036" v="76"/>
+        <pc:sldMkLst>
+          <pc:docMk/>
+          <pc:sldMk cId="4206428679" sldId="416"/>
+        </pc:sldMkLst>
+      </pc:sldChg>
+      <pc:sldChg chg="delSp modSp new del mod ord modClrScheme chgLayout">
+        <pc:chgData name="张毅" userId="539964a5-df36-45b0-8f08-3354a4827624" providerId="ADAL" clId="{902B4148-96EF-4A5E-9C3D-A74608945E98}" dt="2024-10-06T10:20:44.758" v="100" actId="47"/>
+        <pc:sldMkLst>
+          <pc:docMk/>
+          <pc:sldMk cId="1922159430" sldId="417"/>
+        </pc:sldMkLst>
+      </pc:sldChg>
+      <pc:sldChg chg="new del">
+        <pc:chgData name="张毅" userId="539964a5-df36-45b0-8f08-3354a4827624" providerId="ADAL" clId="{902B4148-96EF-4A5E-9C3D-A74608945E98}" dt="2024-10-06T10:19:13.916" v="83" actId="680"/>
+        <pc:sldMkLst>
+          <pc:docMk/>
+          <pc:sldMk cId="3651619159" sldId="418"/>
+        </pc:sldMkLst>
+      </pc:sldChg>
+      <pc:sldChg chg="modSp add mod ord">
+        <pc:chgData name="张毅" userId="539964a5-df36-45b0-8f08-3354a4827624" providerId="ADAL" clId="{902B4148-96EF-4A5E-9C3D-A74608945E98}" dt="2024-10-06T10:19:46.694" v="93" actId="1076"/>
+        <pc:sldMkLst>
+          <pc:docMk/>
+          <pc:sldMk cId="3992255507" sldId="418"/>
+        </pc:sldMkLst>
+      </pc:sldChg>
+      <pc:sldChg chg="addSp delSp modSp add mod ord">
+        <pc:chgData name="张毅" userId="539964a5-df36-45b0-8f08-3354a4827624" providerId="ADAL" clId="{902B4148-96EF-4A5E-9C3D-A74608945E98}" dt="2024-10-06T10:21:17.492" v="106" actId="2711"/>
+        <pc:sldMkLst>
+          <pc:docMk/>
+          <pc:sldMk cId="1172850378" sldId="419"/>
+        </pc:sldMkLst>
       </pc:sldChg>
     </pc:docChg>
   </pc:docChgLst>
@@ -14360,8 +14368,8 @@
         </p:nvSpPr>
         <p:spPr>
           <a:xfrm>
-            <a:off x="651164" y="2314936"/>
-            <a:ext cx="10889671" cy="2123658"/>
+            <a:off x="651164" y="2394449"/>
+            <a:ext cx="10889671" cy="1938992"/>
           </a:xfrm>
           <a:prstGeom prst="rect">
             <a:avLst/>
@@ -14376,7 +14384,7 @@
           <a:p>
             <a:pPr algn="ctr"/>
             <a:r>
-              <a:rPr lang="zh-CN" altLang="en-US" sz="6600" b="1" spc="300" dirty="0">
+              <a:rPr lang="zh-CN" altLang="en-US" sz="6000" b="1" spc="300" dirty="0">
                 <a:solidFill>
                   <a:schemeClr val="bg1"/>
                 </a:solidFill>
@@ -14387,7 +14395,7 @@
               </a:rPr>
               <a:t>分布式线控底盘车辆底盘域</a:t>
             </a:r>
-            <a:endParaRPr lang="en-US" altLang="zh-CN" sz="6600" b="1" spc="300" dirty="0">
+            <a:endParaRPr lang="en-US" altLang="zh-CN" sz="6000" b="1" spc="300" dirty="0">
               <a:solidFill>
                 <a:schemeClr val="bg1"/>
               </a:solidFill>
@@ -14400,7 +14408,7 @@
           <a:p>
             <a:pPr algn="ctr"/>
             <a:r>
-              <a:rPr lang="zh-CN" altLang="en-US" sz="6600" b="1" spc="300" dirty="0">
+              <a:rPr lang="zh-CN" altLang="en-US" sz="6000" b="1" spc="300" dirty="0">
                 <a:solidFill>
                   <a:schemeClr val="bg1"/>
                 </a:solidFill>
